--- a/slides/00_Introduction.pptx
+++ b/slides/00_Introduction.pptx
@@ -870,7 +870,7 @@
           </a:ln>
           <a:extLst>
             <a:ext uri="{C572A759-6A51-4108-AA02-DFA0A04FC94B}">
-              <ma14:wrappingTextBoxFlag xmlns:ma14="http://schemas.microsoft.com/office/mac/drawingml/2011/main" xmlns:a14="http://schemas.microsoft.com/office/drawing/2010/main" xmlns:m="http://schemas.openxmlformats.org/officeDocument/2006/math" xmlns="" val="1"/>
+              <ma14:wrappingTextBoxFlag xmlns="" xmlns:m="http://schemas.openxmlformats.org/officeDocument/2006/math" xmlns:a14="http://schemas.microsoft.com/office/drawing/2010/main" xmlns:ma14="http://schemas.microsoft.com/office/mac/drawingml/2011/main" val="1"/>
             </a:ext>
           </a:extLst>
         </p:spPr>
@@ -909,7 +909,7 @@
           </a:ln>
           <a:extLst>
             <a:ext uri="{C572A759-6A51-4108-AA02-DFA0A04FC94B}">
-              <ma14:wrappingTextBoxFlag xmlns:ma14="http://schemas.microsoft.com/office/mac/drawingml/2011/main" xmlns:a14="http://schemas.microsoft.com/office/drawing/2010/main" xmlns:m="http://schemas.openxmlformats.org/officeDocument/2006/math" xmlns="" val="1"/>
+              <ma14:wrappingTextBoxFlag xmlns="" xmlns:m="http://schemas.openxmlformats.org/officeDocument/2006/math" xmlns:a14="http://schemas.microsoft.com/office/drawing/2010/main" xmlns:ma14="http://schemas.microsoft.com/office/mac/drawingml/2011/main" val="1"/>
             </a:ext>
           </a:extLst>
         </p:spPr>
@@ -2038,7 +2038,7 @@
           </a:ln>
           <a:extLst>
             <a:ext uri="{C572A759-6A51-4108-AA02-DFA0A04FC94B}">
-              <ma14:wrappingTextBoxFlag xmlns:ma14="http://schemas.microsoft.com/office/mac/drawingml/2011/main" xmlns:a14="http://schemas.microsoft.com/office/drawing/2010/main" xmlns:m="http://schemas.openxmlformats.org/officeDocument/2006/math" xmlns="" val="1"/>
+              <ma14:wrappingTextBoxFlag xmlns="" xmlns:m="http://schemas.openxmlformats.org/officeDocument/2006/math" xmlns:a14="http://schemas.microsoft.com/office/drawing/2010/main" xmlns:ma14="http://schemas.microsoft.com/office/mac/drawingml/2011/main" val="1"/>
             </a:ext>
           </a:extLst>
         </p:spPr>
@@ -3038,6 +3038,14 @@
               <a:rPr lang="en-US" sz="4800" dirty="0">
                 <a:latin typeface="+mn-lt"/>
               </a:rPr>
+              <a:t>A clone of the workshop repo at https://github.com/tkuenneth/compose_workshop</a:t>
+            </a:r>
+          </a:p>
+          <a:p>
+            <a:r>
+              <a:rPr lang="en-US" sz="4800" dirty="0">
+                <a:latin typeface="+mn-lt"/>
+              </a:rPr>
               <a:t>Installed Android Studio version (ideally Chipmunk or later, but at least Arctic Fox)</a:t>
             </a:r>
           </a:p>
@@ -3160,6 +3168,26 @@
                 <a:latin typeface="+mn-lt"/>
               </a:rPr>
               <a:t>Deploy the app to the virtual or physical device</a:t>
+            </a:r>
+          </a:p>
+          <a:p>
+            <a:r>
+              <a:rPr lang="en-US" sz="4800" dirty="0">
+                <a:latin typeface="+mn-lt"/>
+              </a:rPr>
+              <a:t>Open the </a:t>
+            </a:r>
+            <a:r>
+              <a:rPr lang="en-US" sz="4800" i="1" dirty="0" err="1">
+                <a:latin typeface="+mn-lt"/>
+              </a:rPr>
+              <a:t>CounterDemoCompose</a:t>
+            </a:r>
+            <a:r>
+              <a:rPr lang="en-US" sz="4800" dirty="0">
+                <a:latin typeface="+mn-lt"/>
+              </a:rPr>
+              <a:t> example and run the app</a:t>
             </a:r>
           </a:p>
         </p:txBody>
@@ -3253,7 +3281,7 @@
           <a:effectLst/>
           <a:extLst>
             <a:ext uri="{C572A759-6A51-4108-AA02-DFA0A04FC94B}">
-              <ma14:wrappingTextBoxFlag xmlns:ma14="http://schemas.microsoft.com/office/mac/drawingml/2011/main" xmlns:a14="http://schemas.microsoft.com/office/drawing/2010/main" xmlns:m="http://schemas.openxmlformats.org/officeDocument/2006/math" xmlns="" val="1"/>
+              <ma14:wrappingTextBoxFlag xmlns="" xmlns:m="http://schemas.openxmlformats.org/officeDocument/2006/math" xmlns:a14="http://schemas.microsoft.com/office/drawing/2010/main" xmlns:ma14="http://schemas.microsoft.com/office/mac/drawingml/2011/main" val="1"/>
             </a:ext>
           </a:extLst>
         </p:spPr>

--- a/slides/00_Introduction.pptx
+++ b/slides/00_Introduction.pptx
@@ -870,7 +870,7 @@
           </a:ln>
           <a:extLst>
             <a:ext uri="{C572A759-6A51-4108-AA02-DFA0A04FC94B}">
-              <ma14:wrappingTextBoxFlag xmlns="" xmlns:m="http://schemas.openxmlformats.org/officeDocument/2006/math" xmlns:a14="http://schemas.microsoft.com/office/drawing/2010/main" xmlns:ma14="http://schemas.microsoft.com/office/mac/drawingml/2011/main" val="1"/>
+              <ma14:wrappingTextBoxFlag xmlns:ma14="http://schemas.microsoft.com/office/mac/drawingml/2011/main" xmlns:a14="http://schemas.microsoft.com/office/drawing/2010/main" xmlns:m="http://schemas.openxmlformats.org/officeDocument/2006/math" xmlns="" val="1"/>
             </a:ext>
           </a:extLst>
         </p:spPr>
@@ -909,7 +909,7 @@
           </a:ln>
           <a:extLst>
             <a:ext uri="{C572A759-6A51-4108-AA02-DFA0A04FC94B}">
-              <ma14:wrappingTextBoxFlag xmlns="" xmlns:m="http://schemas.openxmlformats.org/officeDocument/2006/math" xmlns:a14="http://schemas.microsoft.com/office/drawing/2010/main" xmlns:ma14="http://schemas.microsoft.com/office/mac/drawingml/2011/main" val="1"/>
+              <ma14:wrappingTextBoxFlag xmlns:ma14="http://schemas.microsoft.com/office/mac/drawingml/2011/main" xmlns:a14="http://schemas.microsoft.com/office/drawing/2010/main" xmlns:m="http://schemas.openxmlformats.org/officeDocument/2006/math" xmlns="" val="1"/>
             </a:ext>
           </a:extLst>
         </p:spPr>
@@ -2038,7 +2038,7 @@
           </a:ln>
           <a:extLst>
             <a:ext uri="{C572A759-6A51-4108-AA02-DFA0A04FC94B}">
-              <ma14:wrappingTextBoxFlag xmlns="" xmlns:m="http://schemas.openxmlformats.org/officeDocument/2006/math" xmlns:a14="http://schemas.microsoft.com/office/drawing/2010/main" xmlns:ma14="http://schemas.microsoft.com/office/mac/drawingml/2011/main" val="1"/>
+              <ma14:wrappingTextBoxFlag xmlns:ma14="http://schemas.microsoft.com/office/mac/drawingml/2011/main" xmlns:a14="http://schemas.microsoft.com/office/drawing/2010/main" xmlns:m="http://schemas.openxmlformats.org/officeDocument/2006/math" xmlns="" val="1"/>
             </a:ext>
           </a:extLst>
         </p:spPr>
@@ -2340,6 +2340,162 @@
                 <a:latin typeface="+mn-lt"/>
               </a:rPr>
               <a:t> Wrap up</a:t>
+            </a:r>
+          </a:p>
+        </p:txBody>
+      </p:sp>
+      <p:sp>
+        <p:nvSpPr>
+          <p:cNvPr id="2" name="Explosion: 8 Zacken 1">
+            <a:extLst>
+              <a:ext uri="{FF2B5EF4-FFF2-40B4-BE49-F238E27FC236}">
+                <a16:creationId xmlns:a16="http://schemas.microsoft.com/office/drawing/2014/main" id="{9C5D4E06-3FD2-04E9-6016-56E2B120F567}"/>
+              </a:ext>
+            </a:extLst>
+          </p:cNvPr>
+          <p:cNvSpPr/>
+          <p:nvPr/>
+        </p:nvSpPr>
+        <p:spPr>
+          <a:xfrm>
+            <a:off x="6619460" y="7934298"/>
+            <a:ext cx="3260035" cy="1728788"/>
+          </a:xfrm>
+          <a:prstGeom prst="irregularSeal1">
+            <a:avLst/>
+          </a:prstGeom>
+          <a:ln/>
+        </p:spPr>
+        <p:style>
+          <a:lnRef idx="1">
+            <a:schemeClr val="dk1"/>
+          </a:lnRef>
+          <a:fillRef idx="3">
+            <a:schemeClr val="dk1"/>
+          </a:fillRef>
+          <a:effectRef idx="2">
+            <a:schemeClr val="dk1"/>
+          </a:effectRef>
+          <a:fontRef idx="minor">
+            <a:schemeClr val="lt1"/>
+          </a:fontRef>
+        </p:style>
+        <p:txBody>
+          <a:bodyPr rot="0" spcFirstLastPara="1" vertOverflow="overflow" horzOverflow="overflow" vert="horz" wrap="square" lIns="0" tIns="0" rIns="0" bIns="0" numCol="1" spcCol="38100" rtlCol="0" anchor="ctr">
+            <a:spAutoFit/>
+          </a:bodyPr>
+          <a:lstStyle/>
+          <a:p>
+            <a:pPr marL="0" marR="0" indent="0" algn="ctr" defTabSz="825500" rtl="0" fontAlgn="auto" latinLnBrk="0" hangingPunct="0">
+              <a:lnSpc>
+                <a:spcPct val="100000"/>
+              </a:lnSpc>
+              <a:spcBef>
+                <a:spcPts val="0"/>
+              </a:spcBef>
+              <a:spcAft>
+                <a:spcPts val="0"/>
+              </a:spcAft>
+              <a:buClrTx/>
+              <a:buSzTx/>
+              <a:buFontTx/>
+              <a:buNone/>
+              <a:tabLst/>
+            </a:pPr>
+            <a:r>
+              <a:rPr kumimoji="0" lang="en-US" sz="2000" b="0" i="0" u="none" strike="noStrike" cap="none" spc="0" normalizeH="0" baseline="0" dirty="0">
+                <a:ln>
+                  <a:noFill/>
+                </a:ln>
+                <a:solidFill>
+                  <a:srgbClr val="FFFFFF"/>
+                </a:solidFill>
+                <a:effectLst/>
+                <a:uFillTx/>
+                <a:latin typeface="+mn-lt"/>
+                <a:ea typeface="+mn-ea"/>
+                <a:cs typeface="+mn-cs"/>
+                <a:sym typeface="Helvetica Neue Medium"/>
+              </a:rPr>
+              <a:t>20 minutes break</a:t>
+            </a:r>
+          </a:p>
+        </p:txBody>
+      </p:sp>
+      <p:sp>
+        <p:nvSpPr>
+          <p:cNvPr id="3" name="Explosion: 8 Zacken 2">
+            <a:extLst>
+              <a:ext uri="{FF2B5EF4-FFF2-40B4-BE49-F238E27FC236}">
+                <a16:creationId xmlns:a16="http://schemas.microsoft.com/office/drawing/2014/main" id="{3B1D3C5D-ABC5-BEC5-DCEF-DB7871362909}"/>
+              </a:ext>
+            </a:extLst>
+          </p:cNvPr>
+          <p:cNvSpPr/>
+          <p:nvPr/>
+        </p:nvSpPr>
+        <p:spPr>
+          <a:xfrm>
+            <a:off x="20686643" y="5572718"/>
+            <a:ext cx="3260035" cy="1728788"/>
+          </a:xfrm>
+          <a:prstGeom prst="irregularSeal1">
+            <a:avLst/>
+          </a:prstGeom>
+          <a:ln/>
+        </p:spPr>
+        <p:style>
+          <a:lnRef idx="1">
+            <a:schemeClr val="dk1"/>
+          </a:lnRef>
+          <a:fillRef idx="3">
+            <a:schemeClr val="dk1"/>
+          </a:fillRef>
+          <a:effectRef idx="2">
+            <a:schemeClr val="dk1"/>
+          </a:effectRef>
+          <a:fontRef idx="minor">
+            <a:schemeClr val="lt1"/>
+          </a:fontRef>
+        </p:style>
+        <p:txBody>
+          <a:bodyPr rot="0" spcFirstLastPara="1" vertOverflow="overflow" horzOverflow="overflow" vert="horz" wrap="square" lIns="0" tIns="0" rIns="0" bIns="0" numCol="1" spcCol="38100" rtlCol="0" anchor="ctr">
+            <a:spAutoFit/>
+          </a:bodyPr>
+          <a:lstStyle/>
+          <a:p>
+            <a:pPr marL="0" marR="0" indent="0" algn="ctr" defTabSz="825500" rtl="0" fontAlgn="auto" latinLnBrk="0" hangingPunct="0">
+              <a:lnSpc>
+                <a:spcPct val="100000"/>
+              </a:lnSpc>
+              <a:spcBef>
+                <a:spcPts val="0"/>
+              </a:spcBef>
+              <a:spcAft>
+                <a:spcPts val="0"/>
+              </a:spcAft>
+              <a:buClrTx/>
+              <a:buSzTx/>
+              <a:buFontTx/>
+              <a:buNone/>
+              <a:tabLst/>
+            </a:pPr>
+            <a:r>
+              <a:rPr kumimoji="0" lang="en-US" sz="2000" b="0" i="0" u="none" strike="noStrike" cap="none" spc="0" normalizeH="0" baseline="0" dirty="0">
+                <a:ln>
+                  <a:noFill/>
+                </a:ln>
+                <a:solidFill>
+                  <a:srgbClr val="FFFFFF"/>
+                </a:solidFill>
+                <a:effectLst/>
+                <a:uFillTx/>
+                <a:latin typeface="+mn-lt"/>
+                <a:ea typeface="+mn-ea"/>
+                <a:cs typeface="+mn-cs"/>
+                <a:sym typeface="Helvetica Neue Medium"/>
+              </a:rPr>
+              <a:t>20 minutes break</a:t>
             </a:r>
           </a:p>
         </p:txBody>
@@ -3281,7 +3437,7 @@
           <a:effectLst/>
           <a:extLst>
             <a:ext uri="{C572A759-6A51-4108-AA02-DFA0A04FC94B}">
-              <ma14:wrappingTextBoxFlag xmlns="" xmlns:m="http://schemas.openxmlformats.org/officeDocument/2006/math" xmlns:a14="http://schemas.microsoft.com/office/drawing/2010/main" xmlns:ma14="http://schemas.microsoft.com/office/mac/drawingml/2011/main" val="1"/>
+              <ma14:wrappingTextBoxFlag xmlns:ma14="http://schemas.microsoft.com/office/mac/drawingml/2011/main" xmlns:a14="http://schemas.microsoft.com/office/drawing/2010/main" xmlns:m="http://schemas.openxmlformats.org/officeDocument/2006/math" xmlns="" val="1"/>
             </a:ext>
           </a:extLst>
         </p:spPr>
